--- a/Team 4 - UT Data Analytics Bootcamp Project1.pptx
+++ b/Team 4 - UT Data Analytics Bootcamp Project1.pptx
@@ -2368,7 +2368,7 @@
         <a:p>
           <a:r>
             <a:rPr lang="en-US" dirty="0"/>
-            <a:t>To limit sample bias, crime data been filtered to only include zip codes with more than 50 crimes over the course of the four years in the study. </a:t>
+            <a:t>To limit sample bias, crime data been filtered to only include zip codes with more than 55 crimes over the course of the four years in the study. </a:t>
           </a:r>
         </a:p>
       </dgm:t>
@@ -2440,7 +2440,11 @@
         <a:p>
           <a:r>
             <a:rPr lang="en-US"/>
-            <a:t>Listings data is using listing date and listing price rather than closing date and closing price due to data availability.  Assumption being that all homes closed on the listing date for the listing price.</a:t>
+            <a:t>Listings data is using listing date and listing price rather than closing date and closing price due to data availability.  </a:t>
+          </a:r>
+          <a:r>
+            <a:rPr lang="en-US" dirty="0"/>
+            <a:t>Assumption being that all homes closed on the listing date for the listing price.</a:t>
           </a:r>
         </a:p>
       </dgm:t>
@@ -3490,7 +3494,7 @@
           </a:pPr>
           <a:r>
             <a:rPr lang="en-US" sz="1800" kern="1200" dirty="0"/>
-            <a:t>To limit sample bias, crime data been filtered to only include zip codes with more than 50 crimes over the course of the four years in the study. </a:t>
+            <a:t>To limit sample bias, crime data been filtered to only include zip codes with more than 55 crimes over the course of the four years in the study. </a:t>
           </a:r>
         </a:p>
       </dsp:txBody>
@@ -3784,7 +3788,11 @@
           </a:pPr>
           <a:r>
             <a:rPr lang="en-US" sz="1800" kern="1200"/>
-            <a:t>Listings data is using listing date and listing price rather than closing date and closing price due to data availability.  Assumption being that all homes closed on the listing date for the listing price.</a:t>
+            <a:t>Listings data is using listing date and listing price rather than closing date and closing price due to data availability.  </a:t>
+          </a:r>
+          <a:r>
+            <a:rPr lang="en-US" sz="1800" kern="1200" dirty="0"/>
+            <a:t>Assumption being that all homes closed on the listing date for the listing price.</a:t>
           </a:r>
         </a:p>
       </dsp:txBody>
@@ -11545,36 +11553,6 @@
           </a:p>
         </p:txBody>
       </p:sp>
-      <p:pic>
-        <p:nvPicPr>
-          <p:cNvPr id="5" name="Content Placeholder 4" descr="A picture containing text, map&#10;&#10;Description automatically generated">
-            <a:extLst>
-              <a:ext uri="{FF2B5EF4-FFF2-40B4-BE49-F238E27FC236}">
-                <a16:creationId xmlns:a16="http://schemas.microsoft.com/office/drawing/2014/main" id="{A1FCF859-022F-475A-8049-24B7676BB8B6}"/>
-              </a:ext>
-            </a:extLst>
-          </p:cNvPr>
-          <p:cNvPicPr>
-            <a:picLocks noChangeAspect="1"/>
-          </p:cNvPicPr>
-          <p:nvPr/>
-        </p:nvPicPr>
-        <p:blipFill>
-          <a:blip r:embed="rId2"/>
-          <a:stretch>
-            <a:fillRect/>
-          </a:stretch>
-        </p:blipFill>
-        <p:spPr>
-          <a:xfrm>
-            <a:off x="657225" y="2566642"/>
-            <a:ext cx="4962525" cy="3238046"/>
-          </a:xfrm>
-          <a:prstGeom prst="rect">
-            <a:avLst/>
-          </a:prstGeom>
-        </p:spPr>
-      </p:pic>
       <p:sp>
         <p:nvSpPr>
           <p:cNvPr id="14" name="Rectangle 13">
@@ -11629,35 +11607,6 @@
           </a:fontRef>
         </p:style>
       </p:sp>
-      <p:pic>
-        <p:nvPicPr>
-          <p:cNvPr id="23" name="Content Placeholder 4" descr="A screenshot of a cell phone&#10;&#10;Description automatically generated">
-            <a:extLst>
-              <a:ext uri="{FF2B5EF4-FFF2-40B4-BE49-F238E27FC236}">
-                <a16:creationId xmlns:a16="http://schemas.microsoft.com/office/drawing/2014/main" id="{1E2D67D9-2CCD-4357-A4C3-B97AD289BCDF}"/>
-              </a:ext>
-            </a:extLst>
-          </p:cNvPr>
-          <p:cNvPicPr>
-            <a:picLocks noGrp="1" noChangeAspect="1"/>
-          </p:cNvPicPr>
-          <p:nvPr>
-            <p:ph idx="1"/>
-          </p:nvPr>
-        </p:nvPicPr>
-        <p:blipFill>
-          <a:blip r:embed="rId3"/>
-          <a:stretch>
-            <a:fillRect/>
-          </a:stretch>
-        </p:blipFill>
-        <p:spPr>
-          <a:xfrm>
-            <a:off x="6335713" y="2357358"/>
-            <a:ext cx="5275262" cy="3692683"/>
-          </a:xfrm>
-        </p:spPr>
-      </p:pic>
       <p:sp>
         <p:nvSpPr>
           <p:cNvPr id="25" name="TextBox 24">
@@ -11736,6 +11685,96 @@
           </a:p>
         </p:txBody>
       </p:sp>
+      <p:pic>
+        <p:nvPicPr>
+          <p:cNvPr id="3" name="Picture 2">
+            <a:extLst>
+              <a:ext uri="{FF2B5EF4-FFF2-40B4-BE49-F238E27FC236}">
+                <a16:creationId xmlns:a16="http://schemas.microsoft.com/office/drawing/2014/main" id="{2E5DE356-8204-FE44-818E-F4E7BC83E6D1}"/>
+              </a:ext>
+            </a:extLst>
+          </p:cNvPr>
+          <p:cNvPicPr>
+            <a:picLocks noChangeAspect="1"/>
+          </p:cNvPicPr>
+          <p:nvPr/>
+        </p:nvPicPr>
+        <p:blipFill>
+          <a:blip r:embed="rId2"/>
+          <a:stretch>
+            <a:fillRect/>
+          </a:stretch>
+        </p:blipFill>
+        <p:spPr>
+          <a:xfrm>
+            <a:off x="581192" y="2396767"/>
+            <a:ext cx="5173496" cy="3613139"/>
+          </a:xfrm>
+          <a:prstGeom prst="rect">
+            <a:avLst/>
+          </a:prstGeom>
+        </p:spPr>
+      </p:pic>
+      <p:sp>
+        <p:nvSpPr>
+          <p:cNvPr id="6" name="Content Placeholder 5">
+            <a:extLst>
+              <a:ext uri="{FF2B5EF4-FFF2-40B4-BE49-F238E27FC236}">
+                <a16:creationId xmlns:a16="http://schemas.microsoft.com/office/drawing/2014/main" id="{8BFB093A-9445-D548-8084-3B68580A4B7A}"/>
+              </a:ext>
+            </a:extLst>
+          </p:cNvPr>
+          <p:cNvSpPr>
+            <a:spLocks noGrp="1"/>
+          </p:cNvSpPr>
+          <p:nvPr>
+            <p:ph idx="1"/>
+          </p:nvPr>
+        </p:nvSpPr>
+        <p:spPr>
+          <a:xfrm>
+            <a:off x="6093395" y="2180496"/>
+            <a:ext cx="5517412" cy="3921112"/>
+          </a:xfrm>
+        </p:spPr>
+        <p:txBody>
+          <a:bodyPr/>
+          <a:lstStyle/>
+          <a:p>
+            <a:endParaRPr lang="en-US" dirty="0"/>
+          </a:p>
+        </p:txBody>
+      </p:sp>
+      <p:pic>
+        <p:nvPicPr>
+          <p:cNvPr id="7" name="Picture 6">
+            <a:extLst>
+              <a:ext uri="{FF2B5EF4-FFF2-40B4-BE49-F238E27FC236}">
+                <a16:creationId xmlns:a16="http://schemas.microsoft.com/office/drawing/2014/main" id="{5C39D448-05F4-FC4D-8A11-EB93617F74D6}"/>
+              </a:ext>
+            </a:extLst>
+          </p:cNvPr>
+          <p:cNvPicPr>
+            <a:picLocks noChangeAspect="1"/>
+          </p:cNvPicPr>
+          <p:nvPr/>
+        </p:nvPicPr>
+        <p:blipFill>
+          <a:blip r:embed="rId3"/>
+          <a:stretch>
+            <a:fillRect/>
+          </a:stretch>
+        </p:blipFill>
+        <p:spPr>
+          <a:xfrm>
+            <a:off x="6093395" y="2488273"/>
+            <a:ext cx="5270044" cy="3613335"/>
+          </a:xfrm>
+          <a:prstGeom prst="rect">
+            <a:avLst/>
+          </a:prstGeom>
+        </p:spPr>
+      </p:pic>
     </p:spTree>
     <p:extLst>
       <p:ext uri="{BB962C8B-B14F-4D97-AF65-F5344CB8AC3E}">
@@ -11803,35 +11842,6 @@
           </a:p>
         </p:txBody>
       </p:sp>
-      <p:pic>
-        <p:nvPicPr>
-          <p:cNvPr id="5" name="Content Placeholder 4" descr="A picture containing object, antenna&#10;&#10;Description automatically generated">
-            <a:extLst>
-              <a:ext uri="{FF2B5EF4-FFF2-40B4-BE49-F238E27FC236}">
-                <a16:creationId xmlns:a16="http://schemas.microsoft.com/office/drawing/2014/main" id="{D2313690-529C-40EE-BF48-D0B0D94A3000}"/>
-              </a:ext>
-            </a:extLst>
-          </p:cNvPr>
-          <p:cNvPicPr>
-            <a:picLocks noGrp="1" noChangeAspect="1"/>
-          </p:cNvPicPr>
-          <p:nvPr>
-            <p:ph idx="1"/>
-          </p:nvPr>
-        </p:nvPicPr>
-        <p:blipFill>
-          <a:blip r:embed="rId2"/>
-          <a:stretch>
-            <a:fillRect/>
-          </a:stretch>
-        </p:blipFill>
-        <p:spPr>
-          <a:xfrm>
-            <a:off x="1187669" y="1870841"/>
-            <a:ext cx="9816662" cy="4987159"/>
-          </a:xfrm>
-        </p:spPr>
-      </p:pic>
       <p:sp>
         <p:nvSpPr>
           <p:cNvPr id="6" name="TextBox 5">
@@ -11873,6 +11883,36 @@
           </a:p>
         </p:txBody>
       </p:sp>
+      <p:pic>
+        <p:nvPicPr>
+          <p:cNvPr id="10" name="Picture 9">
+            <a:extLst>
+              <a:ext uri="{FF2B5EF4-FFF2-40B4-BE49-F238E27FC236}">
+                <a16:creationId xmlns:a16="http://schemas.microsoft.com/office/drawing/2014/main" id="{3064C68B-18C3-464B-BB11-036FEE0C8386}"/>
+              </a:ext>
+            </a:extLst>
+          </p:cNvPr>
+          <p:cNvPicPr>
+            <a:picLocks noChangeAspect="1"/>
+          </p:cNvPicPr>
+          <p:nvPr/>
+        </p:nvPicPr>
+        <p:blipFill>
+          <a:blip r:embed="rId2"/>
+          <a:stretch>
+            <a:fillRect/>
+          </a:stretch>
+        </p:blipFill>
+        <p:spPr>
+          <a:xfrm>
+            <a:off x="894292" y="2380994"/>
+            <a:ext cx="8376168" cy="4185176"/>
+          </a:xfrm>
+          <a:prstGeom prst="rect">
+            <a:avLst/>
+          </a:prstGeom>
+        </p:spPr>
+      </p:pic>
     </p:spTree>
     <p:extLst>
       <p:ext uri="{BB962C8B-B14F-4D97-AF65-F5344CB8AC3E}">
@@ -14664,7 +14704,7 @@
             <p:ph idx="1"/>
             <p:extLst>
               <p:ext uri="{D42A27DB-BD31-4B8C-83A1-F6EECF244321}">
-                <p14:modId xmlns:p14="http://schemas.microsoft.com/office/powerpoint/2010/main" val="4287497600"/>
+                <p14:modId xmlns:p14="http://schemas.microsoft.com/office/powerpoint/2010/main" val="330027783"/>
               </p:ext>
             </p:extLst>
           </p:nvPr>

--- a/Team 4 - UT Data Analytics Bootcamp Project1.pptx
+++ b/Team 4 - UT Data Analytics Bootcamp Project1.pptx
@@ -12767,7 +12767,7 @@
                   <a:srgbClr val="FFFFFF"/>
                 </a:solidFill>
               </a:rPr>
-              <a:t>p-value = 0.4773 – no evidence against null hypothesis – can’t disprove</a:t>
+              <a:t>p-value = 0.435 – no evidence against null hypothesis – can’t disprove</a:t>
             </a:r>
             <a:br>
               <a:rPr lang="en-US" sz="2200" dirty="0">
@@ -12789,7 +12789,7 @@
                   <a:srgbClr val="FFFFFF"/>
                 </a:solidFill>
               </a:rPr>
-              <a:t>r-value = -0.1242 – very small inverse relationship between home prices and crime</a:t>
+              <a:t>r-value = -0.1382 – very small inverse relationship between home prices and crime</a:t>
             </a:r>
             <a:br>
               <a:rPr lang="en-US" sz="2200" dirty="0">
@@ -12811,7 +12811,7 @@
                   <a:srgbClr val="FFFFFF"/>
                 </a:solidFill>
               </a:rPr>
-              <a:t>r-squared = 0.0154 – No relationship between home prices and crime</a:t>
+              <a:t>r-squared = 0.0191– No relationship between home prices and crime</a:t>
             </a:r>
             <a:br>
               <a:rPr lang="en-US" sz="2400" dirty="0">

--- a/Team 4 - UT Data Analytics Bootcamp Project1.pptx
+++ b/Team 4 - UT Data Analytics Bootcamp Project1.pptx
@@ -12105,9 +12105,10 @@
           <a:lstStyle/>
           <a:p>
             <a:r>
-              <a:rPr lang="en-US" sz="1200" b="1" dirty="0"/>
-              <a:t>Violent Crimes:</a:t>
+              <a:rPr lang="en-US" sz="1200" b="1"/>
+              <a:t>Violent Crime:</a:t>
             </a:r>
+            <a:endParaRPr lang="en-US" sz="1200" b="1" dirty="0"/>
           </a:p>
           <a:p>
             <a:pPr marL="171450" indent="-171450">
@@ -12152,7 +12153,7 @@
           <a:p>
             <a:r>
               <a:rPr lang="en-US" sz="1200" b="1" dirty="0"/>
-              <a:t>Property Crimes:</a:t>
+              <a:t>Property Crime:</a:t>
             </a:r>
           </a:p>
           <a:p>
